--- a/ASP.NET 5, MVC 6 and Azure App Services.pptx
+++ b/ASP.NET 5, MVC 6 and Azure App Services.pptx
@@ -351,7 +351,7 @@
               <a:rPr lang="en-US" smtClean="0">
                 <a:latin typeface="Segoe UI" pitchFamily="34" charset="0"/>
               </a:rPr>
-              <a:t>6/6/2015 10:32 AM</a:t>
+              <a:t>6/6/2015 11:33 AM</a:t>
             </a:fld>
             <a:endParaRPr lang="en-US" dirty="0">
               <a:latin typeface="Segoe UI" pitchFamily="34" charset="0"/>
@@ -653,7 +653,7 @@
           <a:p>
             <a:fld id="{38EEC551-8CDA-4EB6-89BB-2A86C9F091C8}" type="datetime8">
               <a:rPr lang="en-US" smtClean="0"/>
-              <a:t>6/6/2015 10:32 AM</a:t>
+              <a:t>6/6/2015 11:33 AM</a:t>
             </a:fld>
             <a:endParaRPr lang="en-US" dirty="0"/>
           </a:p>
@@ -22444,19 +22444,7 @@
               <a:rPr lang="en-US" altLang="zh-TW" dirty="0" smtClean="0">
                 <a:sym typeface="Wingdings" panose="05000000000000000000" pitchFamily="2" charset="2"/>
               </a:rPr>
-              <a:t>ASP.NET </a:t>
-            </a:r>
-            <a:r>
-              <a:rPr lang="en-US" altLang="zh-TW" dirty="0" smtClean="0">
-                <a:sym typeface="Wingdings" panose="05000000000000000000" pitchFamily="2" charset="2"/>
-              </a:rPr>
-              <a:t>MVC 6 Tag </a:t>
-            </a:r>
-            <a:r>
-              <a:rPr lang="en-US" altLang="zh-TW" dirty="0" smtClean="0">
-                <a:sym typeface="Wingdings" panose="05000000000000000000" pitchFamily="2" charset="2"/>
-              </a:rPr>
-              <a:t>Helpers</a:t>
+              <a:t>ASP.NET MVC 6 Tag Helpers</a:t>
             </a:r>
             <a:endParaRPr lang="zh-TW" altLang="en-US" dirty="0"/>
           </a:p>
@@ -22910,7 +22898,7 @@
         <p:spPr>
           <a:xfrm>
             <a:off x="274638" y="1212850"/>
-            <a:ext cx="11887200" cy="1415772"/>
+            <a:ext cx="11887200" cy="2092881"/>
           </a:xfrm>
         </p:spPr>
         <p:txBody>
@@ -22919,7 +22907,22 @@
           <a:p>
             <a:r>
               <a:rPr lang="zh-TW" altLang="en-US" dirty="0" smtClean="0"/>
-              <a:t>使用指令 </a:t>
+              <a:t>在專案屬性中啟用 </a:t>
+            </a:r>
+            <a:r>
+              <a:rPr lang="en-US" altLang="zh-TW" dirty="0" smtClean="0"/>
+              <a:t>Produce Output On Build</a:t>
+            </a:r>
+            <a:endParaRPr lang="en-US" altLang="zh-TW" dirty="0" smtClean="0"/>
+          </a:p>
+          <a:p>
+            <a:r>
+              <a:rPr lang="zh-TW" altLang="en-US" dirty="0" smtClean="0"/>
+              <a:t>使用</a:t>
+            </a:r>
+            <a:r>
+              <a:rPr lang="zh-TW" altLang="en-US" dirty="0" smtClean="0"/>
+              <a:t>指令 </a:t>
             </a:r>
             <a:r>
               <a:rPr lang="en-US" altLang="zh-TW" dirty="0" err="1" smtClean="0">
@@ -22933,8 +22936,19 @@
                 <a:latin typeface="Courier New" panose="02070309020205020404" pitchFamily="49" charset="0"/>
                 <a:cs typeface="Courier New" panose="02070309020205020404" pitchFamily="49" charset="0"/>
               </a:rPr>
-              <a:t> build</a:t>
-            </a:r>
+              <a:t> </a:t>
+            </a:r>
+            <a:r>
+              <a:rPr lang="en-US" altLang="zh-TW" dirty="0" smtClean="0">
+                <a:latin typeface="Courier New" panose="02070309020205020404" pitchFamily="49" charset="0"/>
+                <a:cs typeface="Courier New" panose="02070309020205020404" pitchFamily="49" charset="0"/>
+              </a:rPr>
+              <a:t>build</a:t>
+            </a:r>
+            <a:endParaRPr lang="en-US" altLang="zh-TW" dirty="0" smtClean="0">
+              <a:latin typeface="Courier New" panose="02070309020205020404" pitchFamily="49" charset="0"/>
+              <a:cs typeface="Courier New" panose="02070309020205020404" pitchFamily="49" charset="0"/>
+            </a:endParaRPr>
           </a:p>
           <a:p>
             <a:r>
@@ -23000,8 +23014,8 @@
         </p:blipFill>
         <p:spPr>
           <a:xfrm>
-            <a:off x="6599237" y="2735262"/>
-            <a:ext cx="4982670" cy="3910012"/>
+            <a:off x="7589837" y="3305731"/>
+            <a:ext cx="4525470" cy="3551237"/>
           </a:xfrm>
           <a:prstGeom prst="rect">
             <a:avLst/>
@@ -23021,6 +23035,13 @@
   <p:transition>
     <p:fade/>
   </p:transition>
+  <p:timing>
+    <p:tnLst>
+      <p:par>
+        <p:cTn id="1" dur="indefinite" restart="never" nodeType="tmRoot"/>
+      </p:par>
+    </p:tnLst>
+  </p:timing>
 </p:sld>
 </file>
 
@@ -42701,21 +42722,21 @@
                 <a:gridCol w="6299187">
                   <a:extLst>
                     <a:ext uri="{9D8B030D-6E8A-4147-A177-3AD203B41FA5}">
-                      <a16:colId xmlns:a16="http://schemas.microsoft.com/office/drawing/2014/main" xmlns="" val="3599316136"/>
+                      <a16:colId xmlns="" xmlns:a16="http://schemas.microsoft.com/office/drawing/2014/main" val="3599316136"/>
                     </a:ext>
                   </a:extLst>
                 </a:gridCol>
                 <a:gridCol w="2593835">
                   <a:extLst>
                     <a:ext uri="{9D8B030D-6E8A-4147-A177-3AD203B41FA5}">
-                      <a16:colId xmlns:a16="http://schemas.microsoft.com/office/drawing/2014/main" xmlns="" val="2974313793"/>
+                      <a16:colId xmlns="" xmlns:a16="http://schemas.microsoft.com/office/drawing/2014/main" val="2974313793"/>
                     </a:ext>
                   </a:extLst>
                 </a:gridCol>
                 <a:gridCol w="2760474">
                   <a:extLst>
                     <a:ext uri="{9D8B030D-6E8A-4147-A177-3AD203B41FA5}">
-                      <a16:colId xmlns:a16="http://schemas.microsoft.com/office/drawing/2014/main" xmlns="" val="587377983"/>
+                      <a16:colId xmlns="" xmlns:a16="http://schemas.microsoft.com/office/drawing/2014/main" val="587377983"/>
                     </a:ext>
                   </a:extLst>
                 </a:gridCol>
@@ -42776,7 +42797,7 @@
                 </a:tc>
                 <a:extLst>
                   <a:ext uri="{0D108BD9-81ED-4DB2-BD59-A6C34878D82A}">
-                    <a16:rowId xmlns:a16="http://schemas.microsoft.com/office/drawing/2014/main" xmlns="" val="347626473"/>
+                    <a16:rowId xmlns="" xmlns:a16="http://schemas.microsoft.com/office/drawing/2014/main" val="347626473"/>
                   </a:ext>
                 </a:extLst>
               </a:tr>
@@ -42844,7 +42865,7 @@
                 </a:tc>
                 <a:extLst>
                   <a:ext uri="{0D108BD9-81ED-4DB2-BD59-A6C34878D82A}">
-                    <a16:rowId xmlns:a16="http://schemas.microsoft.com/office/drawing/2014/main" xmlns="" val="3222403825"/>
+                    <a16:rowId xmlns="" xmlns:a16="http://schemas.microsoft.com/office/drawing/2014/main" val="3222403825"/>
                   </a:ext>
                 </a:extLst>
               </a:tr>
@@ -42912,7 +42933,7 @@
                 </a:tc>
                 <a:extLst>
                   <a:ext uri="{0D108BD9-81ED-4DB2-BD59-A6C34878D82A}">
-                    <a16:rowId xmlns:a16="http://schemas.microsoft.com/office/drawing/2014/main" xmlns="" val="3286741875"/>
+                    <a16:rowId xmlns="" xmlns:a16="http://schemas.microsoft.com/office/drawing/2014/main" val="3286741875"/>
                   </a:ext>
                 </a:extLst>
               </a:tr>
@@ -42963,7 +42984,7 @@
                 </a:tc>
                 <a:extLst>
                   <a:ext uri="{0D108BD9-81ED-4DB2-BD59-A6C34878D82A}">
-                    <a16:rowId xmlns:a16="http://schemas.microsoft.com/office/drawing/2014/main" xmlns="" val="740962605"/>
+                    <a16:rowId xmlns="" xmlns:a16="http://schemas.microsoft.com/office/drawing/2014/main" val="740962605"/>
                   </a:ext>
                 </a:extLst>
               </a:tr>
@@ -43014,7 +43035,7 @@
                 </a:tc>
                 <a:extLst>
                   <a:ext uri="{0D108BD9-81ED-4DB2-BD59-A6C34878D82A}">
-                    <a16:rowId xmlns:a16="http://schemas.microsoft.com/office/drawing/2014/main" xmlns="" val="659755725"/>
+                    <a16:rowId xmlns="" xmlns:a16="http://schemas.microsoft.com/office/drawing/2014/main" val="659755725"/>
                   </a:ext>
                 </a:extLst>
               </a:tr>
@@ -43077,7 +43098,7 @@
                 </a:tc>
                 <a:extLst>
                   <a:ext uri="{0D108BD9-81ED-4DB2-BD59-A6C34878D82A}">
-                    <a16:rowId xmlns:a16="http://schemas.microsoft.com/office/drawing/2014/main" xmlns="" val="2143542031"/>
+                    <a16:rowId xmlns="" xmlns:a16="http://schemas.microsoft.com/office/drawing/2014/main" val="2143542031"/>
                   </a:ext>
                 </a:extLst>
               </a:tr>
@@ -43145,7 +43166,7 @@
                 </a:tc>
                 <a:extLst>
                   <a:ext uri="{0D108BD9-81ED-4DB2-BD59-A6C34878D82A}">
-                    <a16:rowId xmlns:a16="http://schemas.microsoft.com/office/drawing/2014/main" xmlns="" val="911889485"/>
+                    <a16:rowId xmlns="" xmlns:a16="http://schemas.microsoft.com/office/drawing/2014/main" val="911889485"/>
                   </a:ext>
                 </a:extLst>
               </a:tr>
@@ -43224,7 +43245,7 @@
                 </a:tc>
                 <a:extLst>
                   <a:ext uri="{0D108BD9-81ED-4DB2-BD59-A6C34878D82A}">
-                    <a16:rowId xmlns:a16="http://schemas.microsoft.com/office/drawing/2014/main" xmlns="" val="1672099816"/>
+                    <a16:rowId xmlns="" xmlns:a16="http://schemas.microsoft.com/office/drawing/2014/main" val="1672099816"/>
                   </a:ext>
                 </a:extLst>
               </a:tr>
@@ -43287,7 +43308,7 @@
                 </a:tc>
                 <a:extLst>
                   <a:ext uri="{0D108BD9-81ED-4DB2-BD59-A6C34878D82A}">
-                    <a16:rowId xmlns:a16="http://schemas.microsoft.com/office/drawing/2014/main" xmlns="" val="3907919631"/>
+                    <a16:rowId xmlns="" xmlns:a16="http://schemas.microsoft.com/office/drawing/2014/main" val="3907919631"/>
                   </a:ext>
                 </a:extLst>
               </a:tr>
@@ -44521,15 +44542,6 @@
 </file>
 
 <file path=customXml/item1.xml><?xml version="1.0" encoding="utf-8"?>
-<?mso-contentType ?>
-<FormTemplates xmlns="http://schemas.microsoft.com/sharepoint/v3/contenttype/forms">
-  <Display>DocumentLibraryForm</Display>
-  <Edit>DocumentLibraryForm</Edit>
-  <New>DocumentLibraryForm</New>
-</FormTemplates>
-</file>
-
-<file path=customXml/item2.xml><?xml version="1.0" encoding="utf-8"?>
 <p:properties xmlns:p="http://schemas.microsoft.com/office/2006/metadata/properties" xmlns:xsi="http://www.w3.org/2001/XMLSchema-instance" xmlns:pc="http://schemas.microsoft.com/office/infopath/2007/PartnerControls">
   <documentManagement>
     <h9a868b2ee15488883f623ae5237ecae xmlns="12a172fe-0250-434a-85cf-03b10810c5e5">
@@ -44612,6 +44624,15 @@
     </SharedWithUsers>
   </documentManagement>
 </p:properties>
+</file>
+
+<file path=customXml/item2.xml><?xml version="1.0" encoding="utf-8"?>
+<?mso-contentType ?>
+<FormTemplates xmlns="http://schemas.microsoft.com/sharepoint/v3/contenttype/forms">
+  <Display>DocumentLibraryForm</Display>
+  <Edit>DocumentLibraryForm</Edit>
+  <New>DocumentLibraryForm</New>
+</FormTemplates>
 </file>
 
 <file path=customXml/item3.xml><?xml version="1.0" encoding="utf-8"?>
@@ -44951,14 +44972,6 @@
 </file>
 
 <file path=customXml/itemProps1.xml><?xml version="1.0" encoding="utf-8"?>
-<ds:datastoreItem xmlns:ds="http://schemas.openxmlformats.org/officeDocument/2006/customXml" ds:itemID="{758FDAC0-319D-4A54-8D8E-1D42CB1F8004}">
-  <ds:schemaRefs>
-    <ds:schemaRef ds:uri="http://schemas.microsoft.com/sharepoint/v3/contenttype/forms"/>
-  </ds:schemaRefs>
-</ds:datastoreItem>
-</file>
-
-<file path=customXml/itemProps2.xml><?xml version="1.0" encoding="utf-8"?>
 <ds:datastoreItem xmlns:ds="http://schemas.openxmlformats.org/officeDocument/2006/customXml" ds:itemID="{F990F116-B58F-4255-B05B-DA3808E0E5C6}">
   <ds:schemaRefs>
     <ds:schemaRef ds:uri="http://schemas.microsoft.com/office/2006/metadata/properties"/>
@@ -44972,6 +44985,14 @@
     <ds:schemaRef ds:uri="http://schemas.microsoft.com/office/infopath/2007/PartnerControls"/>
     <ds:schemaRef ds:uri="http://schemas.openxmlformats.org/package/2006/metadata/core-properties"/>
     <ds:schemaRef ds:uri="http://www.w3.org/XML/1998/namespace"/>
+  </ds:schemaRefs>
+</ds:datastoreItem>
+</file>
+
+<file path=customXml/itemProps2.xml><?xml version="1.0" encoding="utf-8"?>
+<ds:datastoreItem xmlns:ds="http://schemas.openxmlformats.org/officeDocument/2006/customXml" ds:itemID="{758FDAC0-319D-4A54-8D8E-1D42CB1F8004}">
+  <ds:schemaRefs>
+    <ds:schemaRef ds:uri="http://schemas.microsoft.com/sharepoint/v3/contenttype/forms"/>
   </ds:schemaRefs>
 </ds:datastoreItem>
 </file>
